--- a/draft/20190414_950_divisor.pptx
+++ b/draft/20190414_950_divisor.pptx
@@ -6,6 +6,9 @@
   </p:sldMasterIdLst>
   <p:sldIdLst>
     <p:sldId id="256" r:id="rId2"/>
+    <p:sldId id="259" r:id="rId3"/>
+    <p:sldId id="257" r:id="rId4"/>
+    <p:sldId id="258" r:id="rId5"/>
   </p:sldIdLst>
   <p:sldSz cx="12192000" cy="6858000"/>
   <p:notesSz cx="6858000" cy="9144000"/>
@@ -104,6 +107,11 @@
       </a:defRPr>
     </a:lvl9pPr>
   </p:defaultTextStyle>
+  <p:extLst>
+    <p:ext uri="{EFAFB233-063F-42B5-8137-9DF3F51BA10A}">
+      <p15:sldGuideLst xmlns:p15="http://schemas.microsoft.com/office/powerpoint/2012/main"/>
+    </p:ext>
+  </p:extLst>
 </p:presentation>
 </file>
 
@@ -3719,6 +3727,515 @@
 </p:sld>
 </file>
 
+<file path=ppt/slides/slide2.xml><?xml version="1.0" encoding="utf-8"?>
+<p:sld xmlns:a="http://schemas.openxmlformats.org/drawingml/2006/main" xmlns:r="http://schemas.openxmlformats.org/officeDocument/2006/relationships" xmlns:p="http://schemas.openxmlformats.org/presentationml/2006/main">
+  <p:cSld>
+    <p:spTree>
+      <p:nvGrpSpPr>
+        <p:cNvPr id="1" name=""/>
+        <p:cNvGrpSpPr/>
+        <p:nvPr/>
+      </p:nvGrpSpPr>
+      <p:grpSpPr>
+        <a:xfrm>
+          <a:off x="0" y="0"/>
+          <a:ext cx="0" cy="0"/>
+          <a:chOff x="0" y="0"/>
+          <a:chExt cx="0" cy="0"/>
+        </a:xfrm>
+      </p:grpSpPr>
+      <p:pic>
+        <p:nvPicPr>
+          <p:cNvPr id="3" name="Picture 2">
+            <a:extLst>
+              <a:ext uri="{FF2B5EF4-FFF2-40B4-BE49-F238E27FC236}">
+                <a16:creationId xmlns:a16="http://schemas.microsoft.com/office/drawing/2014/main" id="{CE3C73CE-A398-F549-B8A0-97ADBAEA90FC}"/>
+              </a:ext>
+            </a:extLst>
+          </p:cNvPr>
+          <p:cNvPicPr>
+            <a:picLocks noChangeAspect="1"/>
+          </p:cNvPicPr>
+          <p:nvPr/>
+        </p:nvPicPr>
+        <p:blipFill>
+          <a:blip r:embed="rId2"/>
+          <a:stretch>
+            <a:fillRect/>
+          </a:stretch>
+        </p:blipFill>
+        <p:spPr>
+          <a:xfrm>
+            <a:off x="6842646" y="1423686"/>
+            <a:ext cx="4896379" cy="4323144"/>
+          </a:xfrm>
+          <a:prstGeom prst="rect">
+            <a:avLst/>
+          </a:prstGeom>
+        </p:spPr>
+      </p:pic>
+      <p:pic>
+        <p:nvPicPr>
+          <p:cNvPr id="4" name="Picture 3">
+            <a:extLst>
+              <a:ext uri="{FF2B5EF4-FFF2-40B4-BE49-F238E27FC236}">
+                <a16:creationId xmlns:a16="http://schemas.microsoft.com/office/drawing/2014/main" id="{8FA6696A-9B62-0148-9FB8-4B35E12046A1}"/>
+              </a:ext>
+            </a:extLst>
+          </p:cNvPr>
+          <p:cNvPicPr>
+            <a:picLocks noChangeAspect="1"/>
+          </p:cNvPicPr>
+          <p:nvPr/>
+        </p:nvPicPr>
+        <p:blipFill>
+          <a:blip r:embed="rId3"/>
+          <a:stretch>
+            <a:fillRect/>
+          </a:stretch>
+        </p:blipFill>
+        <p:spPr>
+          <a:xfrm>
+            <a:off x="317153" y="1377387"/>
+            <a:ext cx="5549614" cy="4369443"/>
+          </a:xfrm>
+          <a:prstGeom prst="rect">
+            <a:avLst/>
+          </a:prstGeom>
+        </p:spPr>
+      </p:pic>
+      <p:sp>
+        <p:nvSpPr>
+          <p:cNvPr id="5" name="TextBox 4">
+            <a:extLst>
+              <a:ext uri="{FF2B5EF4-FFF2-40B4-BE49-F238E27FC236}">
+                <a16:creationId xmlns:a16="http://schemas.microsoft.com/office/drawing/2014/main" id="{C7762D0A-EB71-3644-A650-68DD06B238D9}"/>
+              </a:ext>
+            </a:extLst>
+          </p:cNvPr>
+          <p:cNvSpPr txBox="1"/>
+          <p:nvPr/>
+        </p:nvSpPr>
+        <p:spPr>
+          <a:xfrm>
+            <a:off x="1779870" y="659756"/>
+            <a:ext cx="2624180" cy="461665"/>
+          </a:xfrm>
+          <a:prstGeom prst="rect">
+            <a:avLst/>
+          </a:prstGeom>
+          <a:noFill/>
+        </p:spPr>
+        <p:txBody>
+          <a:bodyPr wrap="none" rtlCol="0">
+            <a:spAutoFit/>
+          </a:bodyPr>
+          <a:lstStyle/>
+          <a:p>
+            <a:r>
+              <a:rPr lang="en-US" sz="2400" dirty="0"/>
+              <a:t>Before (</a:t>
+            </a:r>
+            <a:r>
+              <a:rPr lang="en-US" sz="2400" dirty="0" err="1"/>
+              <a:t>scikit</a:t>
+            </a:r>
+            <a:r>
+              <a:rPr lang="en-US" sz="2400" dirty="0"/>
+              <a:t>-learn)</a:t>
+            </a:r>
+          </a:p>
+        </p:txBody>
+      </p:sp>
+      <p:sp>
+        <p:nvSpPr>
+          <p:cNvPr id="6" name="TextBox 5">
+            <a:extLst>
+              <a:ext uri="{FF2B5EF4-FFF2-40B4-BE49-F238E27FC236}">
+                <a16:creationId xmlns:a16="http://schemas.microsoft.com/office/drawing/2014/main" id="{0131E6CC-8C5D-CB4F-9393-8CCECF34F060}"/>
+              </a:ext>
+            </a:extLst>
+          </p:cNvPr>
+          <p:cNvSpPr txBox="1"/>
+          <p:nvPr/>
+        </p:nvSpPr>
+        <p:spPr>
+          <a:xfrm>
+            <a:off x="8537828" y="659756"/>
+            <a:ext cx="2171941" cy="461665"/>
+          </a:xfrm>
+          <a:prstGeom prst="rect">
+            <a:avLst/>
+          </a:prstGeom>
+          <a:noFill/>
+        </p:spPr>
+        <p:txBody>
+          <a:bodyPr wrap="none" rtlCol="0">
+            <a:spAutoFit/>
+          </a:bodyPr>
+          <a:lstStyle/>
+          <a:p>
+            <a:r>
+              <a:rPr lang="en-US" sz="2400" dirty="0"/>
+              <a:t>After (</a:t>
+            </a:r>
+            <a:r>
+              <a:rPr lang="en-US" sz="2400" dirty="0" err="1"/>
+              <a:t>dtree</a:t>
+            </a:r>
+            <a:r>
+              <a:rPr lang="en-US" sz="2400" dirty="0"/>
+              <a:t>-viz)</a:t>
+            </a:r>
+          </a:p>
+        </p:txBody>
+      </p:sp>
+      <p:sp>
+        <p:nvSpPr>
+          <p:cNvPr id="7" name="Triangle 6">
+            <a:extLst>
+              <a:ext uri="{FF2B5EF4-FFF2-40B4-BE49-F238E27FC236}">
+                <a16:creationId xmlns:a16="http://schemas.microsoft.com/office/drawing/2014/main" id="{E8B2EA9F-386B-D84B-AFFC-89F54EE6EF69}"/>
+              </a:ext>
+            </a:extLst>
+          </p:cNvPr>
+          <p:cNvSpPr/>
+          <p:nvPr/>
+        </p:nvSpPr>
+        <p:spPr>
+          <a:xfrm rot="5400000">
+            <a:off x="5014266" y="3417527"/>
+            <a:ext cx="2680880" cy="289162"/>
+          </a:xfrm>
+          <a:prstGeom prst="triangle">
+            <a:avLst/>
+          </a:prstGeom>
+          <a:solidFill>
+            <a:schemeClr val="bg1">
+              <a:lumMod val="95000"/>
+            </a:schemeClr>
+          </a:solidFill>
+          <a:ln>
+            <a:noFill/>
+          </a:ln>
+        </p:spPr>
+        <p:style>
+          <a:lnRef idx="2">
+            <a:schemeClr val="accent1">
+              <a:shade val="50000"/>
+            </a:schemeClr>
+          </a:lnRef>
+          <a:fillRef idx="1">
+            <a:schemeClr val="accent1"/>
+          </a:fillRef>
+          <a:effectRef idx="0">
+            <a:schemeClr val="accent1"/>
+          </a:effectRef>
+          <a:fontRef idx="minor">
+            <a:schemeClr val="lt1"/>
+          </a:fontRef>
+        </p:style>
+        <p:txBody>
+          <a:bodyPr rtlCol="0" anchor="ctr"/>
+          <a:lstStyle/>
+          <a:p>
+            <a:pPr algn="ctr"/>
+            <a:endParaRPr lang="en-US"/>
+          </a:p>
+        </p:txBody>
+      </p:sp>
+    </p:spTree>
+    <p:extLst>
+      <p:ext uri="{BB962C8B-B14F-4D97-AF65-F5344CB8AC3E}">
+        <p14:creationId xmlns:p14="http://schemas.microsoft.com/office/powerpoint/2010/main" val="3378153833"/>
+      </p:ext>
+    </p:extLst>
+  </p:cSld>
+  <p:clrMapOvr>
+    <a:masterClrMapping/>
+  </p:clrMapOvr>
+</p:sld>
+</file>
+
+<file path=ppt/slides/slide3.xml><?xml version="1.0" encoding="utf-8"?>
+<p:sld xmlns:a="http://schemas.openxmlformats.org/drawingml/2006/main" xmlns:r="http://schemas.openxmlformats.org/officeDocument/2006/relationships" xmlns:p="http://schemas.openxmlformats.org/presentationml/2006/main">
+  <p:cSld>
+    <p:spTree>
+      <p:nvGrpSpPr>
+        <p:cNvPr id="1" name=""/>
+        <p:cNvGrpSpPr/>
+        <p:nvPr/>
+      </p:nvGrpSpPr>
+      <p:grpSpPr>
+        <a:xfrm>
+          <a:off x="0" y="0"/>
+          <a:ext cx="0" cy="0"/>
+          <a:chOff x="0" y="0"/>
+          <a:chExt cx="0" cy="0"/>
+        </a:xfrm>
+      </p:grpSpPr>
+      <p:sp>
+        <p:nvSpPr>
+          <p:cNvPr id="2" name="TextBox 1">
+            <a:extLst>
+              <a:ext uri="{FF2B5EF4-FFF2-40B4-BE49-F238E27FC236}">
+                <a16:creationId xmlns:a16="http://schemas.microsoft.com/office/drawing/2014/main" id="{877356B5-20C4-F544-A5FF-12104D3AF088}"/>
+              </a:ext>
+            </a:extLst>
+          </p:cNvPr>
+          <p:cNvSpPr txBox="1"/>
+          <p:nvPr/>
+        </p:nvSpPr>
+        <p:spPr>
+          <a:xfrm>
+            <a:off x="289367" y="138896"/>
+            <a:ext cx="2651239" cy="369332"/>
+          </a:xfrm>
+          <a:prstGeom prst="rect">
+            <a:avLst/>
+          </a:prstGeom>
+          <a:noFill/>
+        </p:spPr>
+        <p:txBody>
+          <a:bodyPr wrap="none" rtlCol="0">
+            <a:spAutoFit/>
+          </a:bodyPr>
+          <a:lstStyle/>
+          <a:p>
+            <a:r>
+              <a:rPr lang="en-US" dirty="0"/>
+              <a:t>Design / simplify Bar chart</a:t>
+            </a:r>
+          </a:p>
+        </p:txBody>
+      </p:sp>
+      <p:pic>
+        <p:nvPicPr>
+          <p:cNvPr id="3" name="Picture 2">
+            <a:extLst>
+              <a:ext uri="{FF2B5EF4-FFF2-40B4-BE49-F238E27FC236}">
+                <a16:creationId xmlns:a16="http://schemas.microsoft.com/office/drawing/2014/main" id="{B4BCC365-AC71-3642-B1CA-92BC228F2EC3}"/>
+              </a:ext>
+            </a:extLst>
+          </p:cNvPr>
+          <p:cNvPicPr>
+            <a:picLocks noChangeAspect="1"/>
+          </p:cNvPicPr>
+          <p:nvPr/>
+        </p:nvPicPr>
+        <p:blipFill>
+          <a:blip r:embed="rId2"/>
+          <a:stretch>
+            <a:fillRect/>
+          </a:stretch>
+        </p:blipFill>
+        <p:spPr>
+          <a:xfrm>
+            <a:off x="938352" y="2106593"/>
+            <a:ext cx="4004508" cy="2707418"/>
+          </a:xfrm>
+          <a:prstGeom prst="rect">
+            <a:avLst/>
+          </a:prstGeom>
+        </p:spPr>
+      </p:pic>
+      <p:pic>
+        <p:nvPicPr>
+          <p:cNvPr id="5" name="Picture 4">
+            <a:extLst>
+              <a:ext uri="{FF2B5EF4-FFF2-40B4-BE49-F238E27FC236}">
+                <a16:creationId xmlns:a16="http://schemas.microsoft.com/office/drawing/2014/main" id="{3713287C-20B9-8943-8224-8EE3D3B5EC51}"/>
+              </a:ext>
+            </a:extLst>
+          </p:cNvPr>
+          <p:cNvPicPr>
+            <a:picLocks noChangeAspect="1"/>
+          </p:cNvPicPr>
+          <p:nvPr/>
+        </p:nvPicPr>
+        <p:blipFill>
+          <a:blip r:embed="rId3"/>
+          <a:stretch>
+            <a:fillRect/>
+          </a:stretch>
+        </p:blipFill>
+        <p:spPr>
+          <a:xfrm>
+            <a:off x="6562844" y="2416886"/>
+            <a:ext cx="5359079" cy="2086831"/>
+          </a:xfrm>
+          <a:prstGeom prst="rect">
+            <a:avLst/>
+          </a:prstGeom>
+        </p:spPr>
+      </p:pic>
+      <p:sp>
+        <p:nvSpPr>
+          <p:cNvPr id="6" name="TextBox 5">
+            <a:extLst>
+              <a:ext uri="{FF2B5EF4-FFF2-40B4-BE49-F238E27FC236}">
+                <a16:creationId xmlns:a16="http://schemas.microsoft.com/office/drawing/2014/main" id="{ACEC9C08-AA92-5A4A-9630-02F2AB468E29}"/>
+              </a:ext>
+            </a:extLst>
+          </p:cNvPr>
+          <p:cNvSpPr txBox="1"/>
+          <p:nvPr/>
+        </p:nvSpPr>
+        <p:spPr>
+          <a:xfrm>
+            <a:off x="2442258" y="1608881"/>
+            <a:ext cx="803105" cy="369332"/>
+          </a:xfrm>
+          <a:prstGeom prst="rect">
+            <a:avLst/>
+          </a:prstGeom>
+          <a:noFill/>
+        </p:spPr>
+        <p:txBody>
+          <a:bodyPr wrap="none" rtlCol="0">
+            <a:spAutoFit/>
+          </a:bodyPr>
+          <a:lstStyle/>
+          <a:p>
+            <a:r>
+              <a:rPr lang="en-US" dirty="0"/>
+              <a:t>Before</a:t>
+            </a:r>
+          </a:p>
+        </p:txBody>
+      </p:sp>
+      <p:sp>
+        <p:nvSpPr>
+          <p:cNvPr id="7" name="TextBox 6">
+            <a:extLst>
+              <a:ext uri="{FF2B5EF4-FFF2-40B4-BE49-F238E27FC236}">
+                <a16:creationId xmlns:a16="http://schemas.microsoft.com/office/drawing/2014/main" id="{BF926A3A-56CB-1A41-9D62-C679178B9E25}"/>
+              </a:ext>
+            </a:extLst>
+          </p:cNvPr>
+          <p:cNvSpPr txBox="1"/>
+          <p:nvPr/>
+        </p:nvSpPr>
+        <p:spPr>
+          <a:xfrm>
+            <a:off x="8584127" y="1608881"/>
+            <a:ext cx="658257" cy="369332"/>
+          </a:xfrm>
+          <a:prstGeom prst="rect">
+            <a:avLst/>
+          </a:prstGeom>
+          <a:noFill/>
+        </p:spPr>
+        <p:txBody>
+          <a:bodyPr wrap="none" rtlCol="0">
+            <a:spAutoFit/>
+          </a:bodyPr>
+          <a:lstStyle/>
+          <a:p>
+            <a:r>
+              <a:rPr lang="en-US" dirty="0"/>
+              <a:t>After</a:t>
+            </a:r>
+          </a:p>
+        </p:txBody>
+      </p:sp>
+      <p:sp>
+        <p:nvSpPr>
+          <p:cNvPr id="8" name="Triangle 7">
+            <a:extLst>
+              <a:ext uri="{FF2B5EF4-FFF2-40B4-BE49-F238E27FC236}">
+                <a16:creationId xmlns:a16="http://schemas.microsoft.com/office/drawing/2014/main" id="{5BD62183-2BDB-B245-9617-8607C610EF0F}"/>
+              </a:ext>
+            </a:extLst>
+          </p:cNvPr>
+          <p:cNvSpPr/>
+          <p:nvPr/>
+        </p:nvSpPr>
+        <p:spPr>
+          <a:xfrm rot="5400000">
+            <a:off x="5034987" y="3195955"/>
+            <a:ext cx="1770927" cy="208344"/>
+          </a:xfrm>
+          <a:prstGeom prst="triangle">
+            <a:avLst/>
+          </a:prstGeom>
+          <a:solidFill>
+            <a:schemeClr val="bg1">
+              <a:lumMod val="95000"/>
+            </a:schemeClr>
+          </a:solidFill>
+          <a:ln>
+            <a:noFill/>
+          </a:ln>
+        </p:spPr>
+        <p:style>
+          <a:lnRef idx="2">
+            <a:schemeClr val="accent1">
+              <a:shade val="50000"/>
+            </a:schemeClr>
+          </a:lnRef>
+          <a:fillRef idx="1">
+            <a:schemeClr val="accent1"/>
+          </a:fillRef>
+          <a:effectRef idx="0">
+            <a:schemeClr val="accent1"/>
+          </a:effectRef>
+          <a:fontRef idx="minor">
+            <a:schemeClr val="lt1"/>
+          </a:fontRef>
+        </p:style>
+        <p:txBody>
+          <a:bodyPr rtlCol="0" anchor="ctr"/>
+          <a:lstStyle/>
+          <a:p>
+            <a:pPr algn="ctr"/>
+            <a:endParaRPr lang="en-US"/>
+          </a:p>
+        </p:txBody>
+      </p:sp>
+    </p:spTree>
+    <p:extLst>
+      <p:ext uri="{BB962C8B-B14F-4D97-AF65-F5344CB8AC3E}">
+        <p14:creationId xmlns:p14="http://schemas.microsoft.com/office/powerpoint/2010/main" val="1502242342"/>
+      </p:ext>
+    </p:extLst>
+  </p:cSld>
+  <p:clrMapOvr>
+    <a:masterClrMapping/>
+  </p:clrMapOvr>
+</p:sld>
+</file>
+
+<file path=ppt/slides/slide4.xml><?xml version="1.0" encoding="utf-8"?>
+<p:sld xmlns:a="http://schemas.openxmlformats.org/drawingml/2006/main" xmlns:r="http://schemas.openxmlformats.org/officeDocument/2006/relationships" xmlns:p="http://schemas.openxmlformats.org/presentationml/2006/main">
+  <p:cSld>
+    <p:spTree>
+      <p:nvGrpSpPr>
+        <p:cNvPr id="1" name=""/>
+        <p:cNvGrpSpPr/>
+        <p:nvPr/>
+      </p:nvGrpSpPr>
+      <p:grpSpPr>
+        <a:xfrm>
+          <a:off x="0" y="0"/>
+          <a:ext cx="0" cy="0"/>
+          <a:chOff x="0" y="0"/>
+          <a:chExt cx="0" cy="0"/>
+        </a:xfrm>
+      </p:grpSpPr>
+    </p:spTree>
+    <p:extLst>
+      <p:ext uri="{BB962C8B-B14F-4D97-AF65-F5344CB8AC3E}">
+        <p14:creationId xmlns:p14="http://schemas.microsoft.com/office/powerpoint/2010/main" val="3970410243"/>
+      </p:ext>
+    </p:extLst>
+  </p:cSld>
+  <p:clrMapOvr>
+    <a:masterClrMapping/>
+  </p:clrMapOvr>
+</p:sld>
+</file>
+
 <file path=ppt/theme/theme1.xml><?xml version="1.0" encoding="utf-8"?>
 <a:theme xmlns:a="http://schemas.openxmlformats.org/drawingml/2006/main" name="Office Theme">
   <a:themeElements>

--- a/draft/20190414_950_divisor.pptx
+++ b/draft/20190414_950_divisor.pptx
@@ -262,7 +262,7 @@
           <a:p>
             <a:fld id="{5C271850-DC14-E647-A690-42E2ACC92988}" type="datetimeFigureOut">
               <a:rPr lang="en-US" smtClean="0"/>
-              <a:t>4/14/19</a:t>
+              <a:t>4/17/19</a:t>
             </a:fld>
             <a:endParaRPr lang="en-US"/>
           </a:p>
@@ -460,7 +460,7 @@
           <a:p>
             <a:fld id="{5C271850-DC14-E647-A690-42E2ACC92988}" type="datetimeFigureOut">
               <a:rPr lang="en-US" smtClean="0"/>
-              <a:t>4/14/19</a:t>
+              <a:t>4/17/19</a:t>
             </a:fld>
             <a:endParaRPr lang="en-US"/>
           </a:p>
@@ -668,7 +668,7 @@
           <a:p>
             <a:fld id="{5C271850-DC14-E647-A690-42E2ACC92988}" type="datetimeFigureOut">
               <a:rPr lang="en-US" smtClean="0"/>
-              <a:t>4/14/19</a:t>
+              <a:t>4/17/19</a:t>
             </a:fld>
             <a:endParaRPr lang="en-US"/>
           </a:p>
@@ -866,7 +866,7 @@
           <a:p>
             <a:fld id="{5C271850-DC14-E647-A690-42E2ACC92988}" type="datetimeFigureOut">
               <a:rPr lang="en-US" smtClean="0"/>
-              <a:t>4/14/19</a:t>
+              <a:t>4/17/19</a:t>
             </a:fld>
             <a:endParaRPr lang="en-US"/>
           </a:p>
@@ -1141,7 +1141,7 @@
           <a:p>
             <a:fld id="{5C271850-DC14-E647-A690-42E2ACC92988}" type="datetimeFigureOut">
               <a:rPr lang="en-US" smtClean="0"/>
-              <a:t>4/14/19</a:t>
+              <a:t>4/17/19</a:t>
             </a:fld>
             <a:endParaRPr lang="en-US"/>
           </a:p>
@@ -1406,7 +1406,7 @@
           <a:p>
             <a:fld id="{5C271850-DC14-E647-A690-42E2ACC92988}" type="datetimeFigureOut">
               <a:rPr lang="en-US" smtClean="0"/>
-              <a:t>4/14/19</a:t>
+              <a:t>4/17/19</a:t>
             </a:fld>
             <a:endParaRPr lang="en-US"/>
           </a:p>
@@ -1818,7 +1818,7 @@
           <a:p>
             <a:fld id="{5C271850-DC14-E647-A690-42E2ACC92988}" type="datetimeFigureOut">
               <a:rPr lang="en-US" smtClean="0"/>
-              <a:t>4/14/19</a:t>
+              <a:t>4/17/19</a:t>
             </a:fld>
             <a:endParaRPr lang="en-US"/>
           </a:p>
@@ -1959,7 +1959,7 @@
           <a:p>
             <a:fld id="{5C271850-DC14-E647-A690-42E2ACC92988}" type="datetimeFigureOut">
               <a:rPr lang="en-US" smtClean="0"/>
-              <a:t>4/14/19</a:t>
+              <a:t>4/17/19</a:t>
             </a:fld>
             <a:endParaRPr lang="en-US"/>
           </a:p>
@@ -2072,7 +2072,7 @@
           <a:p>
             <a:fld id="{5C271850-DC14-E647-A690-42E2ACC92988}" type="datetimeFigureOut">
               <a:rPr lang="en-US" smtClean="0"/>
-              <a:t>4/14/19</a:t>
+              <a:t>4/17/19</a:t>
             </a:fld>
             <a:endParaRPr lang="en-US"/>
           </a:p>
@@ -2383,7 +2383,7 @@
           <a:p>
             <a:fld id="{5C271850-DC14-E647-A690-42E2ACC92988}" type="datetimeFigureOut">
               <a:rPr lang="en-US" smtClean="0"/>
-              <a:t>4/14/19</a:t>
+              <a:t>4/17/19</a:t>
             </a:fld>
             <a:endParaRPr lang="en-US"/>
           </a:p>
@@ -2671,7 +2671,7 @@
           <a:p>
             <a:fld id="{5C271850-DC14-E647-A690-42E2ACC92988}" type="datetimeFigureOut">
               <a:rPr lang="en-US" smtClean="0"/>
-              <a:t>4/14/19</a:t>
+              <a:t>4/17/19</a:t>
             </a:fld>
             <a:endParaRPr lang="en-US"/>
           </a:p>
@@ -2912,7 +2912,7 @@
           <a:p>
             <a:fld id="{5C271850-DC14-E647-A690-42E2ACC92988}" type="datetimeFigureOut">
               <a:rPr lang="en-US" smtClean="0"/>
-              <a:t>4/14/19</a:t>
+              <a:t>4/17/19</a:t>
             </a:fld>
             <a:endParaRPr lang="en-US"/>
           </a:p>
@@ -4223,6 +4223,76 @@
           <a:chExt cx="0" cy="0"/>
         </a:xfrm>
       </p:grpSpPr>
+      <p:sp>
+        <p:nvSpPr>
+          <p:cNvPr id="3" name="Rectangle 2">
+            <a:extLst>
+              <a:ext uri="{FF2B5EF4-FFF2-40B4-BE49-F238E27FC236}">
+                <a16:creationId xmlns:a16="http://schemas.microsoft.com/office/drawing/2014/main" id="{80CE8B5C-384A-7148-8D10-30B83C9A56E1}"/>
+              </a:ext>
+            </a:extLst>
+          </p:cNvPr>
+          <p:cNvSpPr/>
+          <p:nvPr/>
+        </p:nvSpPr>
+        <p:spPr>
+          <a:xfrm>
+            <a:off x="409498" y="431686"/>
+            <a:ext cx="5979201" cy="369332"/>
+          </a:xfrm>
+          <a:prstGeom prst="rect">
+            <a:avLst/>
+          </a:prstGeom>
+        </p:spPr>
+        <p:txBody>
+          <a:bodyPr wrap="none">
+            <a:spAutoFit/>
+          </a:bodyPr>
+          <a:lstStyle/>
+          <a:p>
+            <a:r>
+              <a:rPr lang="en-US" dirty="0">
+                <a:solidFill>
+                  <a:srgbClr val="333333"/>
+                </a:solidFill>
+                <a:latin typeface="Helvetica Neue" panose="02000503000000020004" pitchFamily="2" charset="0"/>
+              </a:rPr>
+              <a:t>1026. Maximum Difference Between Node and Ancestor</a:t>
+            </a:r>
+            <a:endParaRPr lang="en-US" dirty="0"/>
+          </a:p>
+        </p:txBody>
+      </p:sp>
+      <p:pic>
+        <p:nvPicPr>
+          <p:cNvPr id="5" name="Picture 4">
+            <a:extLst>
+              <a:ext uri="{FF2B5EF4-FFF2-40B4-BE49-F238E27FC236}">
+                <a16:creationId xmlns:a16="http://schemas.microsoft.com/office/drawing/2014/main" id="{DF3C84B6-FC15-D945-A237-223A63B927E2}"/>
+              </a:ext>
+            </a:extLst>
+          </p:cNvPr>
+          <p:cNvPicPr>
+            <a:picLocks noChangeAspect="1"/>
+          </p:cNvPicPr>
+          <p:nvPr/>
+        </p:nvPicPr>
+        <p:blipFill>
+          <a:blip r:embed="rId2"/>
+          <a:stretch>
+            <a:fillRect/>
+          </a:stretch>
+        </p:blipFill>
+        <p:spPr>
+          <a:xfrm>
+            <a:off x="3644900" y="1873250"/>
+            <a:ext cx="4902200" cy="3111500"/>
+          </a:xfrm>
+          <a:prstGeom prst="rect">
+            <a:avLst/>
+          </a:prstGeom>
+        </p:spPr>
+      </p:pic>
     </p:spTree>
     <p:extLst>
       <p:ext uri="{BB962C8B-B14F-4D97-AF65-F5344CB8AC3E}">
